--- a/ITI/TF/Volume1/media/Figure_5.3-2.pptx
+++ b/ITI/TF/Volume1/media/Figure_5.3-2.pptx
@@ -104,6 +104,11 @@
       </a:defRPr>
     </a:lvl9pPr>
   </p:defaultTextStyle>
+  <p:extLst>
+    <p:ext uri="{EFAFB233-063F-42B5-8137-9DF3F51BA10A}">
+      <p15:sldGuideLst xmlns:p15="http://schemas.microsoft.com/office/powerpoint/2012/main"/>
+    </p:ext>
+  </p:extLst>
 </p:presentation>
 </file>
 
@@ -254,7 +259,7 @@
           <a:p>
             <a:fld id="{E7BED971-AD56-F548-8827-F9D8DE5BCAD1}" type="datetimeFigureOut">
               <a:rPr lang="en-US" smtClean="0"/>
-              <a:t>8/10/20</a:t>
+              <a:t>8/25/20</a:t>
             </a:fld>
             <a:endParaRPr lang="en-US"/>
           </a:p>
@@ -452,7 +457,7 @@
           <a:p>
             <a:fld id="{E7BED971-AD56-F548-8827-F9D8DE5BCAD1}" type="datetimeFigureOut">
               <a:rPr lang="en-US" smtClean="0"/>
-              <a:t>8/10/20</a:t>
+              <a:t>8/25/20</a:t>
             </a:fld>
             <a:endParaRPr lang="en-US"/>
           </a:p>
@@ -660,7 +665,7 @@
           <a:p>
             <a:fld id="{E7BED971-AD56-F548-8827-F9D8DE5BCAD1}" type="datetimeFigureOut">
               <a:rPr lang="en-US" smtClean="0"/>
-              <a:t>8/10/20</a:t>
+              <a:t>8/25/20</a:t>
             </a:fld>
             <a:endParaRPr lang="en-US"/>
           </a:p>
@@ -858,7 +863,7 @@
           <a:p>
             <a:fld id="{E7BED971-AD56-F548-8827-F9D8DE5BCAD1}" type="datetimeFigureOut">
               <a:rPr lang="en-US" smtClean="0"/>
-              <a:t>8/10/20</a:t>
+              <a:t>8/25/20</a:t>
             </a:fld>
             <a:endParaRPr lang="en-US"/>
           </a:p>
@@ -1133,7 +1138,7 @@
           <a:p>
             <a:fld id="{E7BED971-AD56-F548-8827-F9D8DE5BCAD1}" type="datetimeFigureOut">
               <a:rPr lang="en-US" smtClean="0"/>
-              <a:t>8/10/20</a:t>
+              <a:t>8/25/20</a:t>
             </a:fld>
             <a:endParaRPr lang="en-US"/>
           </a:p>
@@ -1398,7 +1403,7 @@
           <a:p>
             <a:fld id="{E7BED971-AD56-F548-8827-F9D8DE5BCAD1}" type="datetimeFigureOut">
               <a:rPr lang="en-US" smtClean="0"/>
-              <a:t>8/10/20</a:t>
+              <a:t>8/25/20</a:t>
             </a:fld>
             <a:endParaRPr lang="en-US"/>
           </a:p>
@@ -1810,7 +1815,7 @@
           <a:p>
             <a:fld id="{E7BED971-AD56-F548-8827-F9D8DE5BCAD1}" type="datetimeFigureOut">
               <a:rPr lang="en-US" smtClean="0"/>
-              <a:t>8/10/20</a:t>
+              <a:t>8/25/20</a:t>
             </a:fld>
             <a:endParaRPr lang="en-US"/>
           </a:p>
@@ -1951,7 +1956,7 @@
           <a:p>
             <a:fld id="{E7BED971-AD56-F548-8827-F9D8DE5BCAD1}" type="datetimeFigureOut">
               <a:rPr lang="en-US" smtClean="0"/>
-              <a:t>8/10/20</a:t>
+              <a:t>8/25/20</a:t>
             </a:fld>
             <a:endParaRPr lang="en-US"/>
           </a:p>
@@ -2064,7 +2069,7 @@
           <a:p>
             <a:fld id="{E7BED971-AD56-F548-8827-F9D8DE5BCAD1}" type="datetimeFigureOut">
               <a:rPr lang="en-US" smtClean="0"/>
-              <a:t>8/10/20</a:t>
+              <a:t>8/25/20</a:t>
             </a:fld>
             <a:endParaRPr lang="en-US"/>
           </a:p>
@@ -2375,7 +2380,7 @@
           <a:p>
             <a:fld id="{E7BED971-AD56-F548-8827-F9D8DE5BCAD1}" type="datetimeFigureOut">
               <a:rPr lang="en-US" smtClean="0"/>
-              <a:t>8/10/20</a:t>
+              <a:t>8/25/20</a:t>
             </a:fld>
             <a:endParaRPr lang="en-US"/>
           </a:p>
@@ -2663,7 +2668,7 @@
           <a:p>
             <a:fld id="{E7BED971-AD56-F548-8827-F9D8DE5BCAD1}" type="datetimeFigureOut">
               <a:rPr lang="en-US" smtClean="0"/>
-              <a:t>8/10/20</a:t>
+              <a:t>8/25/20</a:t>
             </a:fld>
             <a:endParaRPr lang="en-US"/>
           </a:p>
@@ -2904,7 +2909,7 @@
           <a:p>
             <a:fld id="{E7BED971-AD56-F548-8827-F9D8DE5BCAD1}" type="datetimeFigureOut">
               <a:rPr lang="en-US" smtClean="0"/>
-              <a:t>8/10/20</a:t>
+              <a:t>8/25/20</a:t>
             </a:fld>
             <a:endParaRPr lang="en-US"/>
           </a:p>
@@ -3548,7 +3553,7 @@
               <a:tabLst/>
             </a:pPr>
             <a:r>
-              <a:rPr kumimoji="0" lang="en-US" altLang="en-US" sz="1000" b="0" i="0" u="none" strike="noStrike" cap="none" normalizeH="0" baseline="0">
+              <a:rPr kumimoji="0" lang="en-US" altLang="en-US" sz="1000" b="0" i="0" u="none" strike="noStrike" cap="none" normalizeH="0" baseline="0" dirty="0">
                 <a:ln>
                   <a:noFill/>
                 </a:ln>
@@ -3556,12 +3561,13 @@
                   <a:schemeClr val="tx1"/>
                 </a:solidFill>
                 <a:effectLst/>
-                <a:latin typeface="Arial" panose="020B0604020202020204" pitchFamily="34" charset="0"/>
+                <a:latin typeface="Times New Roman" panose="02020603050405020304" pitchFamily="18" charset="0"/>
                 <a:ea typeface="Times New Roman" panose="02020603050405020304" pitchFamily="18" charset="0"/>
+                <a:cs typeface="Times New Roman" panose="02020603050405020304" pitchFamily="18" charset="0"/>
               </a:rPr>
               <a:t>PIX Query [ITI-9]</a:t>
             </a:r>
-            <a:endParaRPr kumimoji="0" lang="en-US" altLang="en-US" sz="1800" b="0" i="0" u="none" strike="noStrike" cap="none" normalizeH="0" baseline="0">
+            <a:endParaRPr kumimoji="0" lang="en-US" altLang="en-US" sz="1800" b="0" i="0" u="none" strike="noStrike" cap="none" normalizeH="0" baseline="0" dirty="0">
               <a:ln>
                 <a:noFill/>
               </a:ln>
@@ -3569,7 +3575,8 @@
                 <a:schemeClr val="tx1"/>
               </a:solidFill>
               <a:effectLst/>
-              <a:latin typeface="Arial" panose="020B0604020202020204" pitchFamily="34" charset="0"/>
+              <a:latin typeface="Times New Roman" panose="02020603050405020304" pitchFamily="18" charset="0"/>
+              <a:cs typeface="Times New Roman" panose="02020603050405020304" pitchFamily="18" charset="0"/>
             </a:endParaRPr>
           </a:p>
         </p:txBody>
@@ -3591,7 +3598,7 @@
         <p:spPr bwMode="auto">
           <a:xfrm>
             <a:off x="1227138" y="495300"/>
-            <a:ext cx="1258887" cy="628650"/>
+            <a:ext cx="1465260" cy="628650"/>
           </a:xfrm>
           <a:prstGeom prst="rect">
             <a:avLst/>
@@ -3640,7 +3647,7 @@
               <a:tabLst/>
             </a:pPr>
             <a:r>
-              <a:rPr kumimoji="0" lang="en-US" altLang="en-US" sz="1000" b="0" i="0" u="none" strike="noStrike" cap="none" normalizeH="0" baseline="0">
+              <a:rPr kumimoji="0" lang="en-US" altLang="en-US" sz="1000" b="0" i="0" u="none" strike="noStrike" cap="none" normalizeH="0" baseline="0" dirty="0">
                 <a:ln>
                   <a:noFill/>
                 </a:ln>
@@ -3653,7 +3660,7 @@
               </a:rPr>
               <a:t>Patient Identifier Cross-reference Consumer </a:t>
             </a:r>
-            <a:endParaRPr kumimoji="0" lang="en-US" altLang="en-US" sz="1000" b="0" i="0" u="none" strike="noStrike" cap="none" normalizeH="0" baseline="0">
+            <a:endParaRPr kumimoji="0" lang="en-US" altLang="en-US" sz="1000" b="0" i="0" u="none" strike="noStrike" cap="none" normalizeH="0" baseline="0" dirty="0">
               <a:ln>
                 <a:noFill/>
               </a:ln>
@@ -3682,7 +3689,7 @@
               <a:tabLst/>
             </a:pPr>
             <a:r>
-              <a:rPr kumimoji="0" lang="en-US" altLang="en-US" sz="1000" b="0" i="0" u="none" strike="noStrike" cap="none" normalizeH="0" baseline="0">
+              <a:rPr kumimoji="0" lang="en-US" altLang="en-US" sz="1000" b="0" i="0" u="none" strike="noStrike" cap="none" normalizeH="0" baseline="0" dirty="0">
                 <a:ln>
                   <a:noFill/>
                 </a:ln>
@@ -3695,7 +3702,7 @@
               </a:rPr>
               <a:t>(cardiology info system in domain A)</a:t>
             </a:r>
-            <a:endParaRPr kumimoji="0" lang="en-US" altLang="en-US" sz="1800" b="0" i="0" u="none" strike="noStrike" cap="none" normalizeH="0" baseline="0">
+            <a:endParaRPr kumimoji="0" lang="en-US" altLang="en-US" sz="1800" b="0" i="0" u="none" strike="noStrike" cap="none" normalizeH="0" baseline="0" dirty="0">
               <a:ln>
                 <a:noFill/>
               </a:ln>
@@ -4066,7 +4073,7 @@
               <a:tabLst/>
             </a:pPr>
             <a:r>
-              <a:rPr kumimoji="0" lang="en-US" altLang="en-US" sz="1000" b="0" i="1" u="none" strike="noStrike" cap="none" normalizeH="0" baseline="0">
+              <a:rPr kumimoji="0" lang="en-US" altLang="en-US" sz="1000" b="0" i="1" u="none" strike="noStrike" cap="none" normalizeH="0" baseline="0" dirty="0">
                 <a:ln>
                   <a:noFill/>
                 </a:ln>
@@ -4074,12 +4081,43 @@
                   <a:schemeClr val="tx1"/>
                 </a:solidFill>
                 <a:effectLst/>
-                <a:latin typeface="Arial" panose="020B0604020202020204" pitchFamily="34" charset="0"/>
+                <a:latin typeface="Times New Roman" panose="02020603050405020304" pitchFamily="18" charset="0"/>
                 <a:ea typeface="Times New Roman" panose="02020603050405020304" pitchFamily="18" charset="0"/>
+                <a:cs typeface="Times New Roman" panose="02020603050405020304" pitchFamily="18" charset="0"/>
               </a:rPr>
-              <a:t>Apply Xref logic </a:t>
-            </a:r>
-            <a:endParaRPr kumimoji="0" lang="en-US" altLang="en-US" sz="1800" b="0" i="0" u="none" strike="noStrike" cap="none" normalizeH="0" baseline="0">
+              <a:t>Apply </a:t>
+            </a:r>
+            <a:r>
+              <a:rPr kumimoji="0" lang="en-US" altLang="en-US" sz="1000" b="0" i="1" u="none" strike="noStrike" cap="none" normalizeH="0" baseline="0" dirty="0" err="1">
+                <a:ln>
+                  <a:noFill/>
+                </a:ln>
+                <a:solidFill>
+                  <a:schemeClr val="tx1"/>
+                </a:solidFill>
+                <a:effectLst/>
+                <a:latin typeface="Times New Roman" panose="02020603050405020304" pitchFamily="18" charset="0"/>
+                <a:ea typeface="Times New Roman" panose="02020603050405020304" pitchFamily="18" charset="0"/>
+                <a:cs typeface="Times New Roman" panose="02020603050405020304" pitchFamily="18" charset="0"/>
+              </a:rPr>
+              <a:t>Xref</a:t>
+            </a:r>
+            <a:r>
+              <a:rPr kumimoji="0" lang="en-US" altLang="en-US" sz="1000" b="0" i="1" u="none" strike="noStrike" cap="none" normalizeH="0" baseline="0" dirty="0">
+                <a:ln>
+                  <a:noFill/>
+                </a:ln>
+                <a:solidFill>
+                  <a:schemeClr val="tx1"/>
+                </a:solidFill>
+                <a:effectLst/>
+                <a:latin typeface="Times New Roman" panose="02020603050405020304" pitchFamily="18" charset="0"/>
+                <a:ea typeface="Times New Roman" panose="02020603050405020304" pitchFamily="18" charset="0"/>
+                <a:cs typeface="Times New Roman" panose="02020603050405020304" pitchFamily="18" charset="0"/>
+              </a:rPr>
+              <a:t> logic </a:t>
+            </a:r>
+            <a:endParaRPr kumimoji="0" lang="en-US" altLang="en-US" sz="1800" b="0" i="0" u="none" strike="noStrike" cap="none" normalizeH="0" baseline="0" dirty="0">
               <a:ln>
                 <a:noFill/>
               </a:ln>
@@ -4087,7 +4125,8 @@
                 <a:schemeClr val="tx1"/>
               </a:solidFill>
               <a:effectLst/>
-              <a:latin typeface="Arial" panose="020B0604020202020204" pitchFamily="34" charset="0"/>
+              <a:latin typeface="Times New Roman" panose="02020603050405020304" pitchFamily="18" charset="0"/>
+              <a:cs typeface="Times New Roman" panose="02020603050405020304" pitchFamily="18" charset="0"/>
             </a:endParaRPr>
           </a:p>
         </p:txBody>
@@ -4292,8 +4331,8 @@
         </p:nvSpPr>
         <p:spPr bwMode="auto">
           <a:xfrm>
-            <a:off x="788988" y="1162050"/>
-            <a:ext cx="944562" cy="276225"/>
+            <a:off x="744383" y="1284711"/>
+            <a:ext cx="1538281" cy="276225"/>
           </a:xfrm>
           <a:prstGeom prst="rect">
             <a:avLst/>
@@ -4347,7 +4386,7 @@
               <a:tabLst/>
             </a:pPr>
             <a:r>
-              <a:rPr kumimoji="0" lang="en-US" altLang="en-US" sz="1000" b="0" i="0" u="none" strike="noStrike" cap="none" normalizeH="0" baseline="0">
+              <a:rPr kumimoji="0" lang="en-US" altLang="en-US" sz="1000" b="0" i="0" u="none" strike="noStrike" cap="none" normalizeH="0" baseline="0" dirty="0">
                 <a:ln>
                   <a:noFill/>
                 </a:ln>
@@ -4355,12 +4394,13 @@
                   <a:schemeClr val="tx1"/>
                 </a:solidFill>
                 <a:effectLst/>
-                <a:latin typeface="Arial" panose="020B0604020202020204" pitchFamily="34" charset="0"/>
+                <a:latin typeface="Times New Roman" panose="02020603050405020304" pitchFamily="18" charset="0"/>
                 <a:ea typeface="Times New Roman" panose="02020603050405020304" pitchFamily="18" charset="0"/>
+                <a:cs typeface="Times New Roman" panose="02020603050405020304" pitchFamily="18" charset="0"/>
               </a:rPr>
-              <a:t>Patient Identity </a:t>
-            </a:r>
-            <a:endParaRPr kumimoji="0" lang="en-US" altLang="en-US" sz="1000" b="0" i="0" u="none" strike="noStrike" cap="none" normalizeH="0" baseline="0">
+              <a:t>Patient Identity Feed [ITI-8]</a:t>
+            </a:r>
+            <a:endParaRPr kumimoji="0" lang="en-US" altLang="en-US" sz="1800" b="0" i="0" u="none" strike="noStrike" cap="none" normalizeH="0" baseline="0" dirty="0">
               <a:ln>
                 <a:noFill/>
               </a:ln>
@@ -4368,49 +4408,8 @@
                 <a:schemeClr val="tx1"/>
               </a:solidFill>
               <a:effectLst/>
-              <a:latin typeface="Arial" panose="020B0604020202020204" pitchFamily="34" charset="0"/>
-            </a:endParaRPr>
-          </a:p>
-          <a:p>
-            <a:pPr marL="0" marR="0" lvl="0" indent="0" algn="l" defTabSz="914400" rtl="0" eaLnBrk="0" fontAlgn="base" latinLnBrk="0" hangingPunct="0">
-              <a:lnSpc>
-                <a:spcPct val="100000"/>
-              </a:lnSpc>
-              <a:spcBef>
-                <a:spcPct val="0"/>
-              </a:spcBef>
-              <a:spcAft>
-                <a:spcPct val="0"/>
-              </a:spcAft>
-              <a:buClrTx/>
-              <a:buSzTx/>
-              <a:buFontTx/>
-              <a:buNone/>
-              <a:tabLst/>
-            </a:pPr>
-            <a:r>
-              <a:rPr kumimoji="0" lang="en-US" altLang="en-US" sz="1000" b="0" i="0" u="none" strike="noStrike" cap="none" normalizeH="0" baseline="0">
-                <a:ln>
-                  <a:noFill/>
-                </a:ln>
-                <a:solidFill>
-                  <a:schemeClr val="tx1"/>
-                </a:solidFill>
-                <a:effectLst/>
-                <a:latin typeface="Arial" panose="020B0604020202020204" pitchFamily="34" charset="0"/>
-                <a:ea typeface="Times New Roman" panose="02020603050405020304" pitchFamily="18" charset="0"/>
-              </a:rPr>
-              <a:t>Feed [ITI-8]</a:t>
-            </a:r>
-            <a:endParaRPr kumimoji="0" lang="en-US" altLang="en-US" sz="1800" b="0" i="0" u="none" strike="noStrike" cap="none" normalizeH="0" baseline="0">
-              <a:ln>
-                <a:noFill/>
-              </a:ln>
-              <a:solidFill>
-                <a:schemeClr val="tx1"/>
-              </a:solidFill>
-              <a:effectLst/>
-              <a:latin typeface="Arial" panose="020B0604020202020204" pitchFamily="34" charset="0"/>
+              <a:latin typeface="Times New Roman" panose="02020603050405020304" pitchFamily="18" charset="0"/>
+              <a:cs typeface="Times New Roman" panose="02020603050405020304" pitchFamily="18" charset="0"/>
             </a:endParaRPr>
           </a:p>
         </p:txBody>
@@ -4717,7 +4716,7 @@
         </p:nvSpPr>
         <p:spPr bwMode="auto">
           <a:xfrm>
-            <a:off x="3486150" y="3105150"/>
+            <a:off x="3541905" y="3049395"/>
             <a:ext cx="955675" cy="327025"/>
           </a:xfrm>
           <a:prstGeom prst="rect">
@@ -4772,7 +4771,7 @@
               <a:tabLst/>
             </a:pPr>
             <a:r>
-              <a:rPr kumimoji="0" lang="en-US" altLang="en-US" sz="1000" b="0" i="0" u="none" strike="noStrike" cap="none" normalizeH="0" baseline="0">
+              <a:rPr kumimoji="0" lang="en-US" altLang="en-US" sz="1000" b="0" i="0" u="none" strike="noStrike" cap="none" normalizeH="0" baseline="0" dirty="0">
                 <a:ln>
                   <a:noFill/>
                 </a:ln>
@@ -4780,12 +4779,13 @@
                   <a:schemeClr val="tx1"/>
                 </a:solidFill>
                 <a:effectLst/>
-                <a:latin typeface="Arial" panose="020B0604020202020204" pitchFamily="34" charset="0"/>
+                <a:latin typeface="Times New Roman" panose="02020603050405020304" pitchFamily="18" charset="0"/>
                 <a:ea typeface="Times New Roman" panose="02020603050405020304" pitchFamily="18" charset="0"/>
+                <a:cs typeface="Times New Roman" panose="02020603050405020304" pitchFamily="18" charset="0"/>
               </a:rPr>
               <a:t>Patient Identity </a:t>
             </a:r>
-            <a:endParaRPr kumimoji="0" lang="en-US" altLang="en-US" sz="1000" b="0" i="0" u="none" strike="noStrike" cap="none" normalizeH="0" baseline="0">
+            <a:endParaRPr kumimoji="0" lang="en-US" altLang="en-US" sz="1000" b="0" i="0" u="none" strike="noStrike" cap="none" normalizeH="0" baseline="0" dirty="0">
               <a:ln>
                 <a:noFill/>
               </a:ln>
@@ -4793,7 +4793,8 @@
                 <a:schemeClr val="tx1"/>
               </a:solidFill>
               <a:effectLst/>
-              <a:latin typeface="Arial" panose="020B0604020202020204" pitchFamily="34" charset="0"/>
+              <a:latin typeface="Times New Roman" panose="02020603050405020304" pitchFamily="18" charset="0"/>
+              <a:cs typeface="Times New Roman" panose="02020603050405020304" pitchFamily="18" charset="0"/>
             </a:endParaRPr>
           </a:p>
           <a:p>
@@ -4814,7 +4815,7 @@
               <a:tabLst/>
             </a:pPr>
             <a:r>
-              <a:rPr kumimoji="0" lang="en-US" altLang="en-US" sz="1000" b="0" i="0" u="none" strike="noStrike" cap="none" normalizeH="0" baseline="0">
+              <a:rPr kumimoji="0" lang="en-US" altLang="en-US" sz="1000" b="0" i="0" u="none" strike="noStrike" cap="none" normalizeH="0" baseline="0" dirty="0">
                 <a:ln>
                   <a:noFill/>
                 </a:ln>
@@ -4822,12 +4823,13 @@
                   <a:schemeClr val="tx1"/>
                 </a:solidFill>
                 <a:effectLst/>
-                <a:latin typeface="Arial" panose="020B0604020202020204" pitchFamily="34" charset="0"/>
+                <a:latin typeface="Times New Roman" panose="02020603050405020304" pitchFamily="18" charset="0"/>
                 <a:ea typeface="Times New Roman" panose="02020603050405020304" pitchFamily="18" charset="0"/>
+                <a:cs typeface="Times New Roman" panose="02020603050405020304" pitchFamily="18" charset="0"/>
               </a:rPr>
               <a:t>Feed [ITI-8]</a:t>
             </a:r>
-            <a:endParaRPr kumimoji="0" lang="en-US" altLang="en-US" sz="1800" b="0" i="0" u="none" strike="noStrike" cap="none" normalizeH="0" baseline="0">
+            <a:endParaRPr kumimoji="0" lang="en-US" altLang="en-US" sz="1800" b="0" i="0" u="none" strike="noStrike" cap="none" normalizeH="0" baseline="0" dirty="0">
               <a:ln>
                 <a:noFill/>
               </a:ln>
@@ -4835,7 +4837,8 @@
                 <a:schemeClr val="tx1"/>
               </a:solidFill>
               <a:effectLst/>
-              <a:latin typeface="Arial" panose="020B0604020202020204" pitchFamily="34" charset="0"/>
+              <a:latin typeface="Times New Roman" panose="02020603050405020304" pitchFamily="18" charset="0"/>
+              <a:cs typeface="Times New Roman" panose="02020603050405020304" pitchFamily="18" charset="0"/>
             </a:endParaRPr>
           </a:p>
         </p:txBody>
@@ -4911,7 +4914,7 @@
               <a:tabLst/>
             </a:pPr>
             <a:r>
-              <a:rPr kumimoji="0" lang="en-US" altLang="en-US" sz="1000" b="0" i="1" u="none" strike="noStrike" cap="none" normalizeH="0" baseline="0">
+              <a:rPr kumimoji="0" lang="en-US" altLang="en-US" sz="1000" b="0" i="1" u="none" strike="noStrike" cap="none" normalizeH="0" baseline="0" dirty="0">
                 <a:ln>
                   <a:noFill/>
                 </a:ln>
@@ -4919,12 +4922,13 @@
                   <a:schemeClr val="tx1"/>
                 </a:solidFill>
                 <a:effectLst/>
-                <a:latin typeface="Arial" panose="020B0604020202020204" pitchFamily="34" charset="0"/>
+                <a:latin typeface="Times New Roman" panose="02020603050405020304" pitchFamily="18" charset="0"/>
                 <a:ea typeface="Times New Roman" panose="02020603050405020304" pitchFamily="18" charset="0"/>
+                <a:cs typeface="Times New Roman" panose="02020603050405020304" pitchFamily="18" charset="0"/>
               </a:rPr>
               <a:t>ADT feed within ID domain </a:t>
             </a:r>
-            <a:endParaRPr kumimoji="0" lang="en-US" altLang="en-US" sz="1800" b="0" i="0" u="none" strike="noStrike" cap="none" normalizeH="0" baseline="0">
+            <a:endParaRPr kumimoji="0" lang="en-US" altLang="en-US" sz="1800" b="0" i="0" u="none" strike="noStrike" cap="none" normalizeH="0" baseline="0" dirty="0">
               <a:ln>
                 <a:noFill/>
               </a:ln>
@@ -4932,7 +4936,8 @@
                 <a:schemeClr val="tx1"/>
               </a:solidFill>
               <a:effectLst/>
-              <a:latin typeface="Arial" panose="020B0604020202020204" pitchFamily="34" charset="0"/>
+              <a:latin typeface="Times New Roman" panose="02020603050405020304" pitchFamily="18" charset="0"/>
+              <a:cs typeface="Times New Roman" panose="02020603050405020304" pitchFamily="18" charset="0"/>
             </a:endParaRPr>
           </a:p>
         </p:txBody>
@@ -5004,7 +5009,7 @@
         </p:nvSpPr>
         <p:spPr bwMode="auto">
           <a:xfrm>
-            <a:off x="3521075" y="3560763"/>
+            <a:off x="3565679" y="3694575"/>
             <a:ext cx="1119188" cy="666750"/>
           </a:xfrm>
           <a:prstGeom prst="rect">
@@ -5059,7 +5064,7 @@
               <a:tabLst/>
             </a:pPr>
             <a:r>
-              <a:rPr kumimoji="0" lang="en-US" altLang="en-US" sz="1000" b="0" i="1" u="none" strike="noStrike" cap="none" normalizeH="0" baseline="0">
+              <a:rPr kumimoji="0" lang="en-US" altLang="en-US" sz="1000" b="0" i="1" u="none" strike="noStrike" cap="none" normalizeH="0" baseline="0" dirty="0">
                 <a:ln>
                   <a:noFill/>
                 </a:ln>
@@ -5067,12 +5072,43 @@
                   <a:schemeClr val="tx1"/>
                 </a:solidFill>
                 <a:effectLst/>
-                <a:latin typeface="Arial" panose="020B0604020202020204" pitchFamily="34" charset="0"/>
+                <a:latin typeface="Times New Roman" panose="02020603050405020304" pitchFamily="18" charset="0"/>
                 <a:ea typeface="Times New Roman" panose="02020603050405020304" pitchFamily="18" charset="0"/>
+                <a:cs typeface="Times New Roman" panose="02020603050405020304" pitchFamily="18" charset="0"/>
               </a:rPr>
-              <a:t>Apply Xref logic and determine consumers interested in notifications</a:t>
-            </a:r>
-            <a:endParaRPr kumimoji="0" lang="en-US" altLang="en-US" sz="1800" b="0" i="0" u="none" strike="noStrike" cap="none" normalizeH="0" baseline="0">
+              <a:t>Apply </a:t>
+            </a:r>
+            <a:r>
+              <a:rPr kumimoji="0" lang="en-US" altLang="en-US" sz="1000" b="0" i="1" u="none" strike="noStrike" cap="none" normalizeH="0" baseline="0" dirty="0" err="1">
+                <a:ln>
+                  <a:noFill/>
+                </a:ln>
+                <a:solidFill>
+                  <a:schemeClr val="tx1"/>
+                </a:solidFill>
+                <a:effectLst/>
+                <a:latin typeface="Times New Roman" panose="02020603050405020304" pitchFamily="18" charset="0"/>
+                <a:ea typeface="Times New Roman" panose="02020603050405020304" pitchFamily="18" charset="0"/>
+                <a:cs typeface="Times New Roman" panose="02020603050405020304" pitchFamily="18" charset="0"/>
+              </a:rPr>
+              <a:t>Xref</a:t>
+            </a:r>
+            <a:r>
+              <a:rPr kumimoji="0" lang="en-US" altLang="en-US" sz="1000" b="0" i="1" u="none" strike="noStrike" cap="none" normalizeH="0" baseline="0" dirty="0">
+                <a:ln>
+                  <a:noFill/>
+                </a:ln>
+                <a:solidFill>
+                  <a:schemeClr val="tx1"/>
+                </a:solidFill>
+                <a:effectLst/>
+                <a:latin typeface="Times New Roman" panose="02020603050405020304" pitchFamily="18" charset="0"/>
+                <a:ea typeface="Times New Roman" panose="02020603050405020304" pitchFamily="18" charset="0"/>
+                <a:cs typeface="Times New Roman" panose="02020603050405020304" pitchFamily="18" charset="0"/>
+              </a:rPr>
+              <a:t> logic and determine consumers interested in notifications</a:t>
+            </a:r>
+            <a:endParaRPr kumimoji="0" lang="en-US" altLang="en-US" sz="1800" b="0" i="0" u="none" strike="noStrike" cap="none" normalizeH="0" baseline="0" dirty="0">
               <a:ln>
                 <a:noFill/>
               </a:ln>
@@ -5080,7 +5116,8 @@
                 <a:schemeClr val="tx1"/>
               </a:solidFill>
               <a:effectLst/>
-              <a:latin typeface="Arial" panose="020B0604020202020204" pitchFamily="34" charset="0"/>
+              <a:latin typeface="Times New Roman" panose="02020603050405020304" pitchFamily="18" charset="0"/>
+              <a:cs typeface="Times New Roman" panose="02020603050405020304" pitchFamily="18" charset="0"/>
             </a:endParaRPr>
           </a:p>
         </p:txBody>
@@ -5101,7 +5138,7 @@
         </p:nvSpPr>
         <p:spPr bwMode="auto">
           <a:xfrm flipH="1" flipV="1">
-            <a:off x="1916113" y="4105275"/>
+            <a:off x="1916113" y="4227936"/>
             <a:ext cx="1103312" cy="0"/>
           </a:xfrm>
           <a:prstGeom prst="line">
@@ -5152,7 +5189,7 @@
         </p:nvSpPr>
         <p:spPr bwMode="auto">
           <a:xfrm>
-            <a:off x="2070100" y="3829050"/>
+            <a:off x="2092402" y="3728691"/>
             <a:ext cx="787400" cy="501650"/>
           </a:xfrm>
           <a:prstGeom prst="rect">
@@ -5207,7 +5244,7 @@
               <a:tabLst/>
             </a:pPr>
             <a:r>
-              <a:rPr kumimoji="0" lang="en-US" altLang="en-US" sz="1000" b="0" i="0" u="none" strike="noStrike" cap="none" normalizeH="0" baseline="0">
+              <a:rPr kumimoji="0" lang="en-US" altLang="en-US" sz="1000" b="0" i="0" u="none" strike="noStrike" cap="none" normalizeH="0" baseline="0" dirty="0">
                 <a:ln>
                   <a:noFill/>
                 </a:ln>
@@ -5215,12 +5252,13 @@
                   <a:schemeClr val="tx1"/>
                 </a:solidFill>
                 <a:effectLst/>
-                <a:latin typeface="Arial" panose="020B0604020202020204" pitchFamily="34" charset="0"/>
+                <a:latin typeface="Times New Roman" panose="02020603050405020304" pitchFamily="18" charset="0"/>
                 <a:ea typeface="Times New Roman" panose="02020603050405020304" pitchFamily="18" charset="0"/>
+                <a:cs typeface="Times New Roman" panose="02020603050405020304" pitchFamily="18" charset="0"/>
               </a:rPr>
               <a:t>PIX Update</a:t>
             </a:r>
-            <a:endParaRPr kumimoji="0" lang="en-US" altLang="en-US" sz="1000" b="0" i="0" u="none" strike="noStrike" cap="none" normalizeH="0" baseline="0">
+            <a:endParaRPr kumimoji="0" lang="en-US" altLang="en-US" sz="1000" b="0" i="0" u="none" strike="noStrike" cap="none" normalizeH="0" baseline="0" dirty="0">
               <a:ln>
                 <a:noFill/>
               </a:ln>
@@ -5228,7 +5266,8 @@
                 <a:schemeClr val="tx1"/>
               </a:solidFill>
               <a:effectLst/>
-              <a:latin typeface="Arial" panose="020B0604020202020204" pitchFamily="34" charset="0"/>
+              <a:latin typeface="Times New Roman" panose="02020603050405020304" pitchFamily="18" charset="0"/>
+              <a:cs typeface="Times New Roman" panose="02020603050405020304" pitchFamily="18" charset="0"/>
             </a:endParaRPr>
           </a:p>
           <a:p>
@@ -5249,7 +5288,7 @@
               <a:tabLst/>
             </a:pPr>
             <a:r>
-              <a:rPr kumimoji="0" lang="en-US" altLang="en-US" sz="1000" b="0" i="0" u="none" strike="noStrike" cap="none" normalizeH="0" baseline="0">
+              <a:rPr kumimoji="0" lang="en-US" altLang="en-US" sz="1000" b="0" i="0" u="none" strike="noStrike" cap="none" normalizeH="0" baseline="0" dirty="0">
                 <a:ln>
                   <a:noFill/>
                 </a:ln>
@@ -5257,12 +5296,13 @@
                   <a:schemeClr val="tx1"/>
                 </a:solidFill>
                 <a:effectLst/>
-                <a:latin typeface="Arial" panose="020B0604020202020204" pitchFamily="34" charset="0"/>
+                <a:latin typeface="Times New Roman" panose="02020603050405020304" pitchFamily="18" charset="0"/>
                 <a:ea typeface="Times New Roman" panose="02020603050405020304" pitchFamily="18" charset="0"/>
+                <a:cs typeface="Times New Roman" panose="02020603050405020304" pitchFamily="18" charset="0"/>
               </a:rPr>
               <a:t>Notification [ITI-10]</a:t>
             </a:r>
-            <a:endParaRPr kumimoji="0" lang="en-US" altLang="en-US" sz="1800" b="0" i="0" u="none" strike="noStrike" cap="none" normalizeH="0" baseline="0">
+            <a:endParaRPr kumimoji="0" lang="en-US" altLang="en-US" sz="1800" b="0" i="0" u="none" strike="noStrike" cap="none" normalizeH="0" baseline="0" dirty="0">
               <a:ln>
                 <a:noFill/>
               </a:ln>
@@ -5270,7 +5310,8 @@
                 <a:schemeClr val="tx1"/>
               </a:solidFill>
               <a:effectLst/>
-              <a:latin typeface="Arial" panose="020B0604020202020204" pitchFamily="34" charset="0"/>
+              <a:latin typeface="Times New Roman" panose="02020603050405020304" pitchFamily="18" charset="0"/>
+              <a:cs typeface="Times New Roman" panose="02020603050405020304" pitchFamily="18" charset="0"/>
             </a:endParaRPr>
           </a:p>
         </p:txBody>
@@ -5291,8 +5332,8 @@
         </p:nvSpPr>
         <p:spPr bwMode="auto">
           <a:xfrm>
-            <a:off x="620713" y="4352925"/>
-            <a:ext cx="846137" cy="676275"/>
+            <a:off x="620714" y="4219113"/>
+            <a:ext cx="757400" cy="752468"/>
           </a:xfrm>
           <a:prstGeom prst="rect">
             <a:avLst/>
@@ -5346,7 +5387,7 @@
               <a:tabLst/>
             </a:pPr>
             <a:r>
-              <a:rPr kumimoji="0" lang="en-US" altLang="en-US" sz="1000" b="0" i="1" u="none" strike="noStrike" cap="none" normalizeH="0" baseline="0">
+              <a:rPr kumimoji="0" lang="en-US" altLang="en-US" sz="1000" b="0" i="1" u="none" strike="noStrike" cap="none" normalizeH="0" baseline="0" dirty="0">
                 <a:ln>
                   <a:noFill/>
                 </a:ln>
@@ -5354,12 +5395,13 @@
                   <a:schemeClr val="tx1"/>
                 </a:solidFill>
                 <a:effectLst/>
-                <a:latin typeface="Arial" panose="020B0604020202020204" pitchFamily="34" charset="0"/>
+                <a:latin typeface="Times New Roman" panose="02020603050405020304" pitchFamily="18" charset="0"/>
                 <a:ea typeface="Times New Roman" panose="02020603050405020304" pitchFamily="18" charset="0"/>
+                <a:cs typeface="Times New Roman" panose="02020603050405020304" pitchFamily="18" charset="0"/>
               </a:rPr>
               <a:t>Logic to consolidate internal data of linked patients</a:t>
             </a:r>
-            <a:endParaRPr kumimoji="0" lang="en-US" altLang="en-US" sz="1800" b="0" i="0" u="none" strike="noStrike" cap="none" normalizeH="0" baseline="0">
+            <a:endParaRPr kumimoji="0" lang="en-US" altLang="en-US" sz="1800" b="0" i="0" u="none" strike="noStrike" cap="none" normalizeH="0" baseline="0" dirty="0">
               <a:ln>
                 <a:noFill/>
               </a:ln>
@@ -5367,7 +5409,8 @@
                 <a:schemeClr val="tx1"/>
               </a:solidFill>
               <a:effectLst/>
-              <a:latin typeface="Arial" panose="020B0604020202020204" pitchFamily="34" charset="0"/>
+              <a:latin typeface="Times New Roman" panose="02020603050405020304" pitchFamily="18" charset="0"/>
+              <a:cs typeface="Times New Roman" panose="02020603050405020304" pitchFamily="18" charset="0"/>
             </a:endParaRPr>
           </a:p>
         </p:txBody>
@@ -5900,6 +5943,417 @@
           </a:p>
         </p:txBody>
       </p:sp>
+      <p:sp>
+        <p:nvSpPr>
+          <p:cNvPr id="41" name="Line 23">
+            <a:extLst>
+              <a:ext uri="{FF2B5EF4-FFF2-40B4-BE49-F238E27FC236}">
+                <a16:creationId xmlns:a16="http://schemas.microsoft.com/office/drawing/2014/main" id="{9B74B257-BCFF-A24F-BEB9-C7EA7387221E}"/>
+              </a:ext>
+            </a:extLst>
+          </p:cNvPr>
+          <p:cNvSpPr>
+            <a:spLocks noChangeShapeType="1"/>
+          </p:cNvSpPr>
+          <p:nvPr/>
+        </p:nvSpPr>
+        <p:spPr bwMode="auto">
+          <a:xfrm flipH="1">
+            <a:off x="3214496" y="1724377"/>
+            <a:ext cx="296418" cy="0"/>
+          </a:xfrm>
+          <a:prstGeom prst="line">
+            <a:avLst/>
+          </a:prstGeom>
+          <a:noFill/>
+          <a:ln w="9525">
+            <a:solidFill>
+              <a:srgbClr val="000000"/>
+            </a:solidFill>
+            <a:round/>
+            <a:headEnd/>
+            <a:tailEnd type="triangle" w="med" len="med"/>
+          </a:ln>
+          <a:extLst>
+            <a:ext uri="{909E8E84-426E-40DD-AFC4-6F175D3DCCD1}">
+              <a14:hiddenFill xmlns:a14="http://schemas.microsoft.com/office/drawing/2010/main">
+                <a:noFill/>
+              </a14:hiddenFill>
+            </a:ext>
+          </a:extLst>
+        </p:spPr>
+        <p:txBody>
+          <a:bodyPr vert="horz" wrap="square" lIns="91440" tIns="45720" rIns="91440" bIns="45720" numCol="1" anchor="t" anchorCtr="0" compatLnSpc="1">
+            <a:prstTxWarp prst="textNoShape">
+              <a:avLst/>
+            </a:prstTxWarp>
+          </a:bodyPr>
+          <a:lstStyle/>
+          <a:p>
+            <a:endParaRPr lang="en-US"/>
+          </a:p>
+        </p:txBody>
+      </p:sp>
+      <p:cxnSp>
+        <p:nvCxnSpPr>
+          <p:cNvPr id="42" name="Straight Connector 41">
+            <a:extLst>
+              <a:ext uri="{FF2B5EF4-FFF2-40B4-BE49-F238E27FC236}">
+                <a16:creationId xmlns:a16="http://schemas.microsoft.com/office/drawing/2014/main" id="{08991827-D6B7-EA45-87B8-2C8EB6A26870}"/>
+              </a:ext>
+            </a:extLst>
+          </p:cNvPr>
+          <p:cNvCxnSpPr>
+            <a:cxnSpLocks/>
+          </p:cNvCxnSpPr>
+          <p:nvPr/>
+        </p:nvCxnSpPr>
+        <p:spPr>
+          <a:xfrm>
+            <a:off x="3510914" y="1481920"/>
+            <a:ext cx="0" cy="242457"/>
+          </a:xfrm>
+          <a:prstGeom prst="line">
+            <a:avLst/>
+          </a:prstGeom>
+          <a:ln w="12700">
+            <a:solidFill>
+              <a:schemeClr val="tx1"/>
+            </a:solidFill>
+          </a:ln>
+        </p:spPr>
+        <p:style>
+          <a:lnRef idx="1">
+            <a:schemeClr val="accent1"/>
+          </a:lnRef>
+          <a:fillRef idx="0">
+            <a:schemeClr val="accent1"/>
+          </a:fillRef>
+          <a:effectRef idx="0">
+            <a:schemeClr val="accent1"/>
+          </a:effectRef>
+          <a:fontRef idx="minor">
+            <a:schemeClr val="tx1"/>
+          </a:fontRef>
+        </p:style>
+      </p:cxnSp>
+      <p:cxnSp>
+        <p:nvCxnSpPr>
+          <p:cNvPr id="43" name="Straight Connector 42">
+            <a:extLst>
+              <a:ext uri="{FF2B5EF4-FFF2-40B4-BE49-F238E27FC236}">
+                <a16:creationId xmlns:a16="http://schemas.microsoft.com/office/drawing/2014/main" id="{C4D39409-D204-4D42-8FEE-3A5C8DDC410F}"/>
+              </a:ext>
+            </a:extLst>
+          </p:cNvPr>
+          <p:cNvCxnSpPr>
+            <a:cxnSpLocks/>
+          </p:cNvCxnSpPr>
+          <p:nvPr/>
+        </p:nvCxnSpPr>
+        <p:spPr>
+          <a:xfrm flipH="1">
+            <a:off x="3226893" y="1481920"/>
+            <a:ext cx="284021" cy="0"/>
+          </a:xfrm>
+          <a:prstGeom prst="line">
+            <a:avLst/>
+          </a:prstGeom>
+          <a:ln w="12700">
+            <a:solidFill>
+              <a:schemeClr val="tx1"/>
+            </a:solidFill>
+          </a:ln>
+        </p:spPr>
+        <p:style>
+          <a:lnRef idx="1">
+            <a:schemeClr val="accent1"/>
+          </a:lnRef>
+          <a:fillRef idx="0">
+            <a:schemeClr val="accent1"/>
+          </a:fillRef>
+          <a:effectRef idx="0">
+            <a:schemeClr val="accent1"/>
+          </a:effectRef>
+          <a:fontRef idx="minor">
+            <a:schemeClr val="tx1"/>
+          </a:fontRef>
+        </p:style>
+      </p:cxnSp>
+      <p:sp>
+        <p:nvSpPr>
+          <p:cNvPr id="44" name="Line 23">
+            <a:extLst>
+              <a:ext uri="{FF2B5EF4-FFF2-40B4-BE49-F238E27FC236}">
+                <a16:creationId xmlns:a16="http://schemas.microsoft.com/office/drawing/2014/main" id="{2554C3E7-6333-124E-A3D2-A1F9C86F435A}"/>
+              </a:ext>
+            </a:extLst>
+          </p:cNvPr>
+          <p:cNvSpPr>
+            <a:spLocks noChangeShapeType="1"/>
+          </p:cNvSpPr>
+          <p:nvPr/>
+        </p:nvSpPr>
+        <p:spPr bwMode="auto">
+          <a:xfrm flipH="1">
+            <a:off x="3210782" y="3950903"/>
+            <a:ext cx="296418" cy="0"/>
+          </a:xfrm>
+          <a:prstGeom prst="line">
+            <a:avLst/>
+          </a:prstGeom>
+          <a:noFill/>
+          <a:ln w="9525">
+            <a:solidFill>
+              <a:srgbClr val="000000"/>
+            </a:solidFill>
+            <a:round/>
+            <a:headEnd/>
+            <a:tailEnd type="triangle" w="med" len="med"/>
+          </a:ln>
+          <a:extLst>
+            <a:ext uri="{909E8E84-426E-40DD-AFC4-6F175D3DCCD1}">
+              <a14:hiddenFill xmlns:a14="http://schemas.microsoft.com/office/drawing/2010/main">
+                <a:noFill/>
+              </a14:hiddenFill>
+            </a:ext>
+          </a:extLst>
+        </p:spPr>
+        <p:txBody>
+          <a:bodyPr vert="horz" wrap="square" lIns="91440" tIns="45720" rIns="91440" bIns="45720" numCol="1" anchor="t" anchorCtr="0" compatLnSpc="1">
+            <a:prstTxWarp prst="textNoShape">
+              <a:avLst/>
+            </a:prstTxWarp>
+          </a:bodyPr>
+          <a:lstStyle/>
+          <a:p>
+            <a:endParaRPr lang="en-US"/>
+          </a:p>
+        </p:txBody>
+      </p:sp>
+      <p:cxnSp>
+        <p:nvCxnSpPr>
+          <p:cNvPr id="45" name="Straight Connector 44">
+            <a:extLst>
+              <a:ext uri="{FF2B5EF4-FFF2-40B4-BE49-F238E27FC236}">
+                <a16:creationId xmlns:a16="http://schemas.microsoft.com/office/drawing/2014/main" id="{81BB3861-C7A2-4540-8F1C-CC5CDFE3B768}"/>
+              </a:ext>
+            </a:extLst>
+          </p:cNvPr>
+          <p:cNvCxnSpPr>
+            <a:cxnSpLocks/>
+          </p:cNvCxnSpPr>
+          <p:nvPr/>
+        </p:nvCxnSpPr>
+        <p:spPr>
+          <a:xfrm>
+            <a:off x="3507200" y="3708446"/>
+            <a:ext cx="0" cy="242457"/>
+          </a:xfrm>
+          <a:prstGeom prst="line">
+            <a:avLst/>
+          </a:prstGeom>
+          <a:ln w="12700">
+            <a:solidFill>
+              <a:schemeClr val="tx1"/>
+            </a:solidFill>
+          </a:ln>
+        </p:spPr>
+        <p:style>
+          <a:lnRef idx="1">
+            <a:schemeClr val="accent1"/>
+          </a:lnRef>
+          <a:fillRef idx="0">
+            <a:schemeClr val="accent1"/>
+          </a:fillRef>
+          <a:effectRef idx="0">
+            <a:schemeClr val="accent1"/>
+          </a:effectRef>
+          <a:fontRef idx="minor">
+            <a:schemeClr val="tx1"/>
+          </a:fontRef>
+        </p:style>
+      </p:cxnSp>
+      <p:cxnSp>
+        <p:nvCxnSpPr>
+          <p:cNvPr id="46" name="Straight Connector 45">
+            <a:extLst>
+              <a:ext uri="{FF2B5EF4-FFF2-40B4-BE49-F238E27FC236}">
+                <a16:creationId xmlns:a16="http://schemas.microsoft.com/office/drawing/2014/main" id="{F23C93F3-634F-ED45-AD2A-52CE1A62771A}"/>
+              </a:ext>
+            </a:extLst>
+          </p:cNvPr>
+          <p:cNvCxnSpPr>
+            <a:cxnSpLocks/>
+          </p:cNvCxnSpPr>
+          <p:nvPr/>
+        </p:nvCxnSpPr>
+        <p:spPr>
+          <a:xfrm flipH="1">
+            <a:off x="3223179" y="3708446"/>
+            <a:ext cx="284021" cy="0"/>
+          </a:xfrm>
+          <a:prstGeom prst="line">
+            <a:avLst/>
+          </a:prstGeom>
+          <a:ln w="12700">
+            <a:solidFill>
+              <a:schemeClr val="tx1"/>
+            </a:solidFill>
+          </a:ln>
+        </p:spPr>
+        <p:style>
+          <a:lnRef idx="1">
+            <a:schemeClr val="accent1"/>
+          </a:lnRef>
+          <a:fillRef idx="0">
+            <a:schemeClr val="accent1"/>
+          </a:fillRef>
+          <a:effectRef idx="0">
+            <a:schemeClr val="accent1"/>
+          </a:effectRef>
+          <a:fontRef idx="minor">
+            <a:schemeClr val="tx1"/>
+          </a:fontRef>
+        </p:style>
+      </p:cxnSp>
+      <p:sp>
+        <p:nvSpPr>
+          <p:cNvPr id="47" name="Line 23">
+            <a:extLst>
+              <a:ext uri="{FF2B5EF4-FFF2-40B4-BE49-F238E27FC236}">
+                <a16:creationId xmlns:a16="http://schemas.microsoft.com/office/drawing/2014/main" id="{A1F744D3-5C42-D34B-99B4-65EBF77E2564}"/>
+              </a:ext>
+            </a:extLst>
+          </p:cNvPr>
+          <p:cNvSpPr>
+            <a:spLocks noChangeShapeType="1"/>
+          </p:cNvSpPr>
+          <p:nvPr/>
+        </p:nvSpPr>
+        <p:spPr bwMode="auto">
+          <a:xfrm>
+            <a:off x="1445174" y="4638559"/>
+            <a:ext cx="296418" cy="0"/>
+          </a:xfrm>
+          <a:prstGeom prst="line">
+            <a:avLst/>
+          </a:prstGeom>
+          <a:noFill/>
+          <a:ln w="9525">
+            <a:solidFill>
+              <a:srgbClr val="000000"/>
+            </a:solidFill>
+            <a:round/>
+            <a:headEnd/>
+            <a:tailEnd type="triangle" w="med" len="med"/>
+          </a:ln>
+          <a:extLst>
+            <a:ext uri="{909E8E84-426E-40DD-AFC4-6F175D3DCCD1}">
+              <a14:hiddenFill xmlns:a14="http://schemas.microsoft.com/office/drawing/2010/main">
+                <a:noFill/>
+              </a14:hiddenFill>
+            </a:ext>
+          </a:extLst>
+        </p:spPr>
+        <p:txBody>
+          <a:bodyPr vert="horz" wrap="square" lIns="91440" tIns="45720" rIns="91440" bIns="45720" numCol="1" anchor="t" anchorCtr="0" compatLnSpc="1">
+            <a:prstTxWarp prst="textNoShape">
+              <a:avLst/>
+            </a:prstTxWarp>
+          </a:bodyPr>
+          <a:lstStyle/>
+          <a:p>
+            <a:endParaRPr lang="en-US"/>
+          </a:p>
+        </p:txBody>
+      </p:sp>
+      <p:cxnSp>
+        <p:nvCxnSpPr>
+          <p:cNvPr id="48" name="Straight Connector 47">
+            <a:extLst>
+              <a:ext uri="{FF2B5EF4-FFF2-40B4-BE49-F238E27FC236}">
+                <a16:creationId xmlns:a16="http://schemas.microsoft.com/office/drawing/2014/main" id="{F75BEBE8-E933-504D-BFCA-51AE938E3EF2}"/>
+              </a:ext>
+            </a:extLst>
+          </p:cNvPr>
+          <p:cNvCxnSpPr>
+            <a:cxnSpLocks/>
+          </p:cNvCxnSpPr>
+          <p:nvPr/>
+        </p:nvCxnSpPr>
+        <p:spPr>
+          <a:xfrm>
+            <a:off x="1462811" y="4396103"/>
+            <a:ext cx="0" cy="242457"/>
+          </a:xfrm>
+          <a:prstGeom prst="line">
+            <a:avLst/>
+          </a:prstGeom>
+          <a:ln w="12700">
+            <a:solidFill>
+              <a:schemeClr val="tx1"/>
+            </a:solidFill>
+          </a:ln>
+        </p:spPr>
+        <p:style>
+          <a:lnRef idx="1">
+            <a:schemeClr val="accent1"/>
+          </a:lnRef>
+          <a:fillRef idx="0">
+            <a:schemeClr val="accent1"/>
+          </a:fillRef>
+          <a:effectRef idx="0">
+            <a:schemeClr val="accent1"/>
+          </a:effectRef>
+          <a:fontRef idx="minor">
+            <a:schemeClr val="tx1"/>
+          </a:fontRef>
+        </p:style>
+      </p:cxnSp>
+      <p:cxnSp>
+        <p:nvCxnSpPr>
+          <p:cNvPr id="49" name="Straight Connector 48">
+            <a:extLst>
+              <a:ext uri="{FF2B5EF4-FFF2-40B4-BE49-F238E27FC236}">
+                <a16:creationId xmlns:a16="http://schemas.microsoft.com/office/drawing/2014/main" id="{44D0137C-2BD8-2844-9CC2-5CE9E60CF848}"/>
+              </a:ext>
+            </a:extLst>
+          </p:cNvPr>
+          <p:cNvCxnSpPr>
+            <a:cxnSpLocks/>
+          </p:cNvCxnSpPr>
+          <p:nvPr/>
+        </p:nvCxnSpPr>
+        <p:spPr>
+          <a:xfrm flipH="1">
+            <a:off x="1457571" y="4396102"/>
+            <a:ext cx="284021" cy="0"/>
+          </a:xfrm>
+          <a:prstGeom prst="line">
+            <a:avLst/>
+          </a:prstGeom>
+          <a:ln w="12700">
+            <a:solidFill>
+              <a:schemeClr val="tx1"/>
+            </a:solidFill>
+          </a:ln>
+        </p:spPr>
+        <p:style>
+          <a:lnRef idx="1">
+            <a:schemeClr val="accent1"/>
+          </a:lnRef>
+          <a:fillRef idx="0">
+            <a:schemeClr val="accent1"/>
+          </a:fillRef>
+          <a:effectRef idx="0">
+            <a:schemeClr val="accent1"/>
+          </a:effectRef>
+          <a:fontRef idx="minor">
+            <a:schemeClr val="tx1"/>
+          </a:fontRef>
+        </p:style>
+      </p:cxnSp>
     </p:spTree>
     <p:extLst>
       <p:ext uri="{BB962C8B-B14F-4D97-AF65-F5344CB8AC3E}">
